--- a/DossiersProjet_Locker_Control/[HOUDAYER_Pierre]_Rapport_Personel/[HOUDAYER]_SoutenanceDeProjet.pptx
+++ b/DossiersProjet_Locker_Control/[HOUDAYER_Pierre]_Rapport_Personel/[HOUDAYER]_SoutenanceDeProjet.pptx
@@ -288,6 +288,7 @@
           <a:p>
             <a:fld id="{27C9A20F-C5CD-4BDE-9F04-47E323E8C4D1}" type="datetimeFigureOut">
               <a:rPr lang="fr-FR" smtClean="0"/>
+              <a:pPr/>
               <a:t>09/06/2015</a:t>
             </a:fld>
             <a:endParaRPr lang="fr-FR"/>
@@ -330,6 +331,7 @@
           <a:p>
             <a:fld id="{AB57CD1A-26C5-4FA8-B340-E0C70AF9B7CB}" type="slidenum">
               <a:rPr lang="fr-FR" smtClean="0"/>
+              <a:pPr/>
               <a:t>‹N°›</a:t>
             </a:fld>
             <a:endParaRPr lang="fr-FR"/>
@@ -453,6 +455,7 @@
           <a:p>
             <a:fld id="{27C9A20F-C5CD-4BDE-9F04-47E323E8C4D1}" type="datetimeFigureOut">
               <a:rPr lang="fr-FR" smtClean="0"/>
+              <a:pPr/>
               <a:t>09/06/2015</a:t>
             </a:fld>
             <a:endParaRPr lang="fr-FR"/>
@@ -495,6 +498,7 @@
           <a:p>
             <a:fld id="{AB57CD1A-26C5-4FA8-B340-E0C70AF9B7CB}" type="slidenum">
               <a:rPr lang="fr-FR" smtClean="0"/>
+              <a:pPr/>
               <a:t>‹N°›</a:t>
             </a:fld>
             <a:endParaRPr lang="fr-FR"/>
@@ -628,6 +632,7 @@
           <a:p>
             <a:fld id="{27C9A20F-C5CD-4BDE-9F04-47E323E8C4D1}" type="datetimeFigureOut">
               <a:rPr lang="fr-FR" smtClean="0"/>
+              <a:pPr/>
               <a:t>09/06/2015</a:t>
             </a:fld>
             <a:endParaRPr lang="fr-FR"/>
@@ -670,6 +675,7 @@
           <a:p>
             <a:fld id="{AB57CD1A-26C5-4FA8-B340-E0C70AF9B7CB}" type="slidenum">
               <a:rPr lang="fr-FR" smtClean="0"/>
+              <a:pPr/>
               <a:t>‹N°›</a:t>
             </a:fld>
             <a:endParaRPr lang="fr-FR"/>
@@ -793,6 +799,7 @@
           <a:p>
             <a:fld id="{27C9A20F-C5CD-4BDE-9F04-47E323E8C4D1}" type="datetimeFigureOut">
               <a:rPr lang="fr-FR" smtClean="0"/>
+              <a:pPr/>
               <a:t>09/06/2015</a:t>
             </a:fld>
             <a:endParaRPr lang="fr-FR"/>
@@ -835,6 +842,7 @@
           <a:p>
             <a:fld id="{AB57CD1A-26C5-4FA8-B340-E0C70AF9B7CB}" type="slidenum">
               <a:rPr lang="fr-FR" smtClean="0"/>
+              <a:pPr/>
               <a:t>‹N°›</a:t>
             </a:fld>
             <a:endParaRPr lang="fr-FR"/>
@@ -1035,6 +1043,7 @@
           <a:p>
             <a:fld id="{27C9A20F-C5CD-4BDE-9F04-47E323E8C4D1}" type="datetimeFigureOut">
               <a:rPr lang="fr-FR" smtClean="0"/>
+              <a:pPr/>
               <a:t>09/06/2015</a:t>
             </a:fld>
             <a:endParaRPr lang="fr-FR"/>
@@ -1077,6 +1086,7 @@
           <a:p>
             <a:fld id="{AB57CD1A-26C5-4FA8-B340-E0C70AF9B7CB}" type="slidenum">
               <a:rPr lang="fr-FR" smtClean="0"/>
+              <a:pPr/>
               <a:t>‹N°›</a:t>
             </a:fld>
             <a:endParaRPr lang="fr-FR"/>
@@ -1299,6 +1309,7 @@
           <a:p>
             <a:fld id="{27C9A20F-C5CD-4BDE-9F04-47E323E8C4D1}" type="datetimeFigureOut">
               <a:rPr lang="fr-FR" smtClean="0"/>
+              <a:pPr/>
               <a:t>09/06/2015</a:t>
             </a:fld>
             <a:endParaRPr lang="fr-FR"/>
@@ -1341,6 +1352,7 @@
           <a:p>
             <a:fld id="{AB57CD1A-26C5-4FA8-B340-E0C70AF9B7CB}" type="slidenum">
               <a:rPr lang="fr-FR" smtClean="0"/>
+              <a:pPr/>
               <a:t>‹N°›</a:t>
             </a:fld>
             <a:endParaRPr lang="fr-FR"/>
@@ -1677,6 +1689,7 @@
           <a:p>
             <a:fld id="{27C9A20F-C5CD-4BDE-9F04-47E323E8C4D1}" type="datetimeFigureOut">
               <a:rPr lang="fr-FR" smtClean="0"/>
+              <a:pPr/>
               <a:t>09/06/2015</a:t>
             </a:fld>
             <a:endParaRPr lang="fr-FR"/>
@@ -1719,6 +1732,7 @@
           <a:p>
             <a:fld id="{AB57CD1A-26C5-4FA8-B340-E0C70AF9B7CB}" type="slidenum">
               <a:rPr lang="fr-FR" smtClean="0"/>
+              <a:pPr/>
               <a:t>‹N°›</a:t>
             </a:fld>
             <a:endParaRPr lang="fr-FR"/>
@@ -1827,6 +1841,7 @@
           <a:p>
             <a:fld id="{27C9A20F-C5CD-4BDE-9F04-47E323E8C4D1}" type="datetimeFigureOut">
               <a:rPr lang="fr-FR" smtClean="0"/>
+              <a:pPr/>
               <a:t>09/06/2015</a:t>
             </a:fld>
             <a:endParaRPr lang="fr-FR"/>
@@ -1869,6 +1884,7 @@
           <a:p>
             <a:fld id="{AB57CD1A-26C5-4FA8-B340-E0C70AF9B7CB}" type="slidenum">
               <a:rPr lang="fr-FR" smtClean="0"/>
+              <a:pPr/>
               <a:t>‹N°›</a:t>
             </a:fld>
             <a:endParaRPr lang="fr-FR"/>
@@ -1917,6 +1933,7 @@
           <a:p>
             <a:fld id="{27C9A20F-C5CD-4BDE-9F04-47E323E8C4D1}" type="datetimeFigureOut">
               <a:rPr lang="fr-FR" smtClean="0"/>
+              <a:pPr/>
               <a:t>09/06/2015</a:t>
             </a:fld>
             <a:endParaRPr lang="fr-FR"/>
@@ -1959,6 +1976,7 @@
           <a:p>
             <a:fld id="{AB57CD1A-26C5-4FA8-B340-E0C70AF9B7CB}" type="slidenum">
               <a:rPr lang="fr-FR" smtClean="0"/>
+              <a:pPr/>
               <a:t>‹N°›</a:t>
             </a:fld>
             <a:endParaRPr lang="fr-FR"/>
@@ -2178,6 +2196,7 @@
           <a:p>
             <a:fld id="{27C9A20F-C5CD-4BDE-9F04-47E323E8C4D1}" type="datetimeFigureOut">
               <a:rPr lang="fr-FR" smtClean="0"/>
+              <a:pPr/>
               <a:t>09/06/2015</a:t>
             </a:fld>
             <a:endParaRPr lang="fr-FR"/>
@@ -2220,6 +2239,7 @@
           <a:p>
             <a:fld id="{AB57CD1A-26C5-4FA8-B340-E0C70AF9B7CB}" type="slidenum">
               <a:rPr lang="fr-FR" smtClean="0"/>
+              <a:pPr/>
               <a:t>‹N°›</a:t>
             </a:fld>
             <a:endParaRPr lang="fr-FR"/>
@@ -2466,6 +2486,7 @@
           <a:p>
             <a:fld id="{27C9A20F-C5CD-4BDE-9F04-47E323E8C4D1}" type="datetimeFigureOut">
               <a:rPr lang="fr-FR" smtClean="0"/>
+              <a:pPr/>
               <a:t>09/06/2015</a:t>
             </a:fld>
             <a:endParaRPr lang="fr-FR"/>
@@ -2513,6 +2534,7 @@
           <a:p>
             <a:fld id="{AB57CD1A-26C5-4FA8-B340-E0C70AF9B7CB}" type="slidenum">
               <a:rPr lang="fr-FR" smtClean="0"/>
+              <a:pPr/>
               <a:t>‹N°›</a:t>
             </a:fld>
             <a:endParaRPr lang="fr-FR"/>
@@ -3237,6 +3259,7 @@
           <a:p>
             <a:fld id="{27C9A20F-C5CD-4BDE-9F04-47E323E8C4D1}" type="datetimeFigureOut">
               <a:rPr lang="fr-FR" smtClean="0"/>
+              <a:pPr/>
               <a:t>09/06/2015</a:t>
             </a:fld>
             <a:endParaRPr lang="fr-FR"/>
@@ -3315,6 +3338,7 @@
           <a:p>
             <a:fld id="{AB57CD1A-26C5-4FA8-B340-E0C70AF9B7CB}" type="slidenum">
               <a:rPr lang="fr-FR" smtClean="0"/>
+              <a:pPr/>
               <a:t>‹N°›</a:t>
             </a:fld>
             <a:endParaRPr lang="fr-FR"/>
@@ -3965,8 +3989,7 @@
           <a:lstStyle/>
           <a:p>
             <a:pPr marL="571500" indent="-571500">
-              <a:buFont typeface="+mj-lt"/>
-              <a:buAutoNum type="romanUcPeriod"/>
+              <a:buNone/>
             </a:pPr>
             <a:r>
               <a:rPr lang="fr-FR" dirty="0" smtClean="0"/>
@@ -3982,7 +4005,6 @@
               <a:rPr lang="fr-FR" dirty="0" smtClean="0"/>
               <a:t>Analyse</a:t>
             </a:r>
-            <a:endParaRPr lang="fr-FR" dirty="0" smtClean="0"/>
           </a:p>
           <a:p>
             <a:pPr marL="571500" indent="-571500">
@@ -4011,7 +4033,11 @@
             </a:pPr>
             <a:r>
               <a:rPr lang="fr-FR" dirty="0" smtClean="0"/>
-              <a:t>Tests unitaires</a:t>
+              <a:t>Tests </a:t>
+            </a:r>
+            <a:r>
+              <a:rPr lang="fr-FR" dirty="0" smtClean="0"/>
+              <a:t>unitaires</a:t>
             </a:r>
           </a:p>
           <a:p>
@@ -4021,18 +4047,23 @@
             </a:pPr>
             <a:r>
               <a:rPr lang="fr-FR" dirty="0" smtClean="0"/>
-              <a:t>Conclusion personnelle</a:t>
-            </a:r>
+              <a:t>Tests d’intégration</a:t>
+            </a:r>
+            <a:endParaRPr lang="fr-FR" dirty="0" smtClean="0"/>
           </a:p>
           <a:p>
             <a:pPr marL="571500" indent="-571500">
-              <a:buFont typeface="+mj-lt"/>
-              <a:buAutoNum type="romanUcPeriod"/>
+              <a:buNone/>
             </a:pPr>
             <a:r>
               <a:rPr lang="fr-FR" dirty="0" smtClean="0"/>
-              <a:t>Intégration et conclusion générale</a:t>
-            </a:r>
+              <a:t>Conclusion </a:t>
+            </a:r>
+            <a:r>
+              <a:rPr lang="fr-FR" dirty="0" smtClean="0"/>
+              <a:t>personnelle et générale</a:t>
+            </a:r>
+            <a:endParaRPr lang="fr-FR" dirty="0" smtClean="0"/>
           </a:p>
           <a:p>
             <a:endParaRPr lang="fr-FR" dirty="0" smtClean="0"/>
@@ -4085,7 +4116,11 @@
             <a:pPr marL="1028700" indent="-1028700"/>
             <a:r>
               <a:rPr lang="fr-FR" dirty="0" smtClean="0"/>
-              <a:t>I.	Introduction / Présentation</a:t>
+              <a:t>Introduction </a:t>
+            </a:r>
+            <a:r>
+              <a:rPr lang="fr-FR" dirty="0" smtClean="0"/>
+              <a:t>/ Présentation</a:t>
             </a:r>
             <a:endParaRPr lang="fr-FR" dirty="0"/>
           </a:p>
@@ -4106,7 +4141,7 @@
           <a:bodyPr/>
           <a:lstStyle/>
           <a:p>
-            <a:endParaRPr lang="fr-FR"/>
+            <a:endParaRPr lang="fr-FR" dirty="0"/>
           </a:p>
         </p:txBody>
       </p:sp>
@@ -4153,15 +4188,11 @@
             <a:pPr marL="1028700" indent="-1028700"/>
             <a:r>
               <a:rPr lang="fr-FR" dirty="0" smtClean="0"/>
-              <a:t>II.</a:t>
+              <a:t>I.</a:t>
             </a:r>
             <a:r>
               <a:rPr lang="fr-FR" dirty="0" smtClean="0"/>
-              <a:t>	</a:t>
-            </a:r>
-            <a:r>
-              <a:rPr lang="fr-FR" dirty="0" smtClean="0"/>
-              <a:t>Analyse</a:t>
+              <a:t>	Analyse</a:t>
             </a:r>
             <a:endParaRPr lang="fr-FR" dirty="0"/>
           </a:p>
@@ -4228,15 +4259,11 @@
           <a:p>
             <a:r>
               <a:rPr lang="fr-FR" dirty="0" smtClean="0"/>
-              <a:t>III.</a:t>
+              <a:t>II.</a:t>
             </a:r>
             <a:r>
               <a:rPr lang="fr-FR" dirty="0" smtClean="0"/>
-              <a:t>	</a:t>
-            </a:r>
-            <a:r>
-              <a:rPr lang="fr-FR" dirty="0" smtClean="0"/>
-              <a:t>Conception préliminaire</a:t>
+              <a:t>	Conception préliminaire</a:t>
             </a:r>
             <a:endParaRPr lang="fr-FR" dirty="0"/>
           </a:p>
@@ -4303,11 +4330,11 @@
           <a:p>
             <a:r>
               <a:rPr lang="fr-FR" dirty="0" smtClean="0"/>
-              <a:t>IV.	Conception détaillée</a:t>
+              <a:t>III.</a:t>
             </a:r>
             <a:r>
               <a:rPr lang="fr-FR" dirty="0" smtClean="0"/>
-              <a:t>	</a:t>
+              <a:t>	Conception détaillée	</a:t>
             </a:r>
             <a:endParaRPr lang="fr-FR" dirty="0"/>
           </a:p>
@@ -4374,7 +4401,11 @@
           <a:p>
             <a:r>
               <a:rPr lang="fr-FR" dirty="0" smtClean="0"/>
-              <a:t>V.	Tests unitaires</a:t>
+              <a:t>IV</a:t>
+            </a:r>
+            <a:r>
+              <a:rPr lang="fr-FR" dirty="0" smtClean="0"/>
+              <a:t>.	Tests unitaires</a:t>
             </a:r>
             <a:endParaRPr lang="fr-FR" dirty="0"/>
           </a:p>
@@ -4441,7 +4472,15 @@
           <a:p>
             <a:r>
               <a:rPr lang="fr-FR" dirty="0" smtClean="0"/>
-              <a:t>VI.	Conclusion personnelle</a:t>
+              <a:t>V.</a:t>
+            </a:r>
+            <a:r>
+              <a:rPr lang="fr-FR" dirty="0" smtClean="0"/>
+              <a:t>	</a:t>
+            </a:r>
+            <a:r>
+              <a:rPr lang="fr-FR" dirty="0" smtClean="0"/>
+              <a:t>Tests d’intégration</a:t>
             </a:r>
             <a:endParaRPr lang="fr-FR" dirty="0"/>
           </a:p>
@@ -4515,7 +4554,15 @@
           <a:p>
             <a:r>
               <a:rPr lang="fr-FR" dirty="0" smtClean="0"/>
-              <a:t>VII.	Intégration et conclusion générale.</a:t>
+              <a:t>C</a:t>
+            </a:r>
+            <a:r>
+              <a:rPr lang="fr-FR" dirty="0" smtClean="0"/>
+              <a:t>onclusion personnelle et générale</a:t>
+            </a:r>
+            <a:r>
+              <a:rPr lang="fr-FR" dirty="0" smtClean="0"/>
+              <a:t>.</a:t>
             </a:r>
             <a:endParaRPr lang="fr-FR" dirty="0"/>
           </a:p>
